--- a/jenny_CMF/graphs/Boxplot age vs état bucco-dentaire.pptx
+++ b/jenny_CMF/graphs/Boxplot age vs état bucco-dentaire.pptx
@@ -2307,20 +2307,20 @@
           <p:spPr>
             <a:xfrm>
               <a:off x="884169" y="5524507"/>
-              <a:ext cx="7726715" cy="0"/>
+              <a:ext cx="6000405" cy="0"/>
             </a:xfrm>
             <a:custGeom>
               <a:avLst/>
               <a:pathLst>
-                <a:path w="7726715" h="0">
+                <a:path w="6000405" h="0">
                   <a:moveTo>
                     <a:pt x="0" y="0"/>
                   </a:moveTo>
                   <a:lnTo>
-                    <a:pt x="7726715" y="0"/>
-                  </a:lnTo>
-                  <a:lnTo>
-                    <a:pt x="7726715" y="0"/>
+                    <a:pt x="6000405" y="0"/>
+                  </a:lnTo>
+                  <a:lnTo>
+                    <a:pt x="6000405" y="0"/>
                   </a:lnTo>
                 </a:path>
               </a:pathLst>
@@ -2350,20 +2350,20 @@
           <p:spPr>
             <a:xfrm>
               <a:off x="884169" y="5247872"/>
-              <a:ext cx="7726715" cy="0"/>
+              <a:ext cx="6000405" cy="0"/>
             </a:xfrm>
             <a:custGeom>
               <a:avLst/>
               <a:pathLst>
-                <a:path w="7726715" h="0">
+                <a:path w="6000405" h="0">
                   <a:moveTo>
                     <a:pt x="0" y="0"/>
                   </a:moveTo>
                   <a:lnTo>
-                    <a:pt x="7726715" y="0"/>
-                  </a:lnTo>
-                  <a:lnTo>
-                    <a:pt x="7726715" y="0"/>
+                    <a:pt x="6000405" y="0"/>
+                  </a:lnTo>
+                  <a:lnTo>
+                    <a:pt x="6000405" y="0"/>
                   </a:lnTo>
                 </a:path>
               </a:pathLst>
@@ -2393,20 +2393,20 @@
           <p:spPr>
             <a:xfrm>
               <a:off x="884169" y="4971236"/>
-              <a:ext cx="7726715" cy="0"/>
+              <a:ext cx="6000405" cy="0"/>
             </a:xfrm>
             <a:custGeom>
               <a:avLst/>
               <a:pathLst>
-                <a:path w="7726715" h="0">
+                <a:path w="6000405" h="0">
                   <a:moveTo>
                     <a:pt x="0" y="0"/>
                   </a:moveTo>
                   <a:lnTo>
-                    <a:pt x="7726715" y="0"/>
-                  </a:lnTo>
-                  <a:lnTo>
-                    <a:pt x="7726715" y="0"/>
+                    <a:pt x="6000405" y="0"/>
+                  </a:lnTo>
+                  <a:lnTo>
+                    <a:pt x="6000405" y="0"/>
                   </a:lnTo>
                 </a:path>
               </a:pathLst>
@@ -2436,20 +2436,20 @@
           <p:spPr>
             <a:xfrm>
               <a:off x="884169" y="4694601"/>
-              <a:ext cx="7726715" cy="0"/>
+              <a:ext cx="6000405" cy="0"/>
             </a:xfrm>
             <a:custGeom>
               <a:avLst/>
               <a:pathLst>
-                <a:path w="7726715" h="0">
+                <a:path w="6000405" h="0">
                   <a:moveTo>
                     <a:pt x="0" y="0"/>
                   </a:moveTo>
                   <a:lnTo>
-                    <a:pt x="7726715" y="0"/>
-                  </a:lnTo>
-                  <a:lnTo>
-                    <a:pt x="7726715" y="0"/>
+                    <a:pt x="6000405" y="0"/>
+                  </a:lnTo>
+                  <a:lnTo>
+                    <a:pt x="6000405" y="0"/>
                   </a:lnTo>
                 </a:path>
               </a:pathLst>
@@ -2479,20 +2479,20 @@
           <p:spPr>
             <a:xfrm>
               <a:off x="884169" y="4417965"/>
-              <a:ext cx="7726715" cy="0"/>
+              <a:ext cx="6000405" cy="0"/>
             </a:xfrm>
             <a:custGeom>
               <a:avLst/>
               <a:pathLst>
-                <a:path w="7726715" h="0">
+                <a:path w="6000405" h="0">
                   <a:moveTo>
                     <a:pt x="0" y="0"/>
                   </a:moveTo>
                   <a:lnTo>
-                    <a:pt x="7726715" y="0"/>
-                  </a:lnTo>
-                  <a:lnTo>
-                    <a:pt x="7726715" y="0"/>
+                    <a:pt x="6000405" y="0"/>
+                  </a:lnTo>
+                  <a:lnTo>
+                    <a:pt x="6000405" y="0"/>
                   </a:lnTo>
                 </a:path>
               </a:pathLst>
@@ -2522,20 +2522,20 @@
           <p:spPr>
             <a:xfrm>
               <a:off x="884169" y="4141330"/>
-              <a:ext cx="7726715" cy="0"/>
+              <a:ext cx="6000405" cy="0"/>
             </a:xfrm>
             <a:custGeom>
               <a:avLst/>
               <a:pathLst>
-                <a:path w="7726715" h="0">
+                <a:path w="6000405" h="0">
                   <a:moveTo>
                     <a:pt x="0" y="0"/>
                   </a:moveTo>
                   <a:lnTo>
-                    <a:pt x="7726715" y="0"/>
-                  </a:lnTo>
-                  <a:lnTo>
-                    <a:pt x="7726715" y="0"/>
+                    <a:pt x="6000405" y="0"/>
+                  </a:lnTo>
+                  <a:lnTo>
+                    <a:pt x="6000405" y="0"/>
                   </a:lnTo>
                 </a:path>
               </a:pathLst>
@@ -2565,20 +2565,20 @@
           <p:spPr>
             <a:xfrm>
               <a:off x="884169" y="3864695"/>
-              <a:ext cx="7726715" cy="0"/>
+              <a:ext cx="6000405" cy="0"/>
             </a:xfrm>
             <a:custGeom>
               <a:avLst/>
               <a:pathLst>
-                <a:path w="7726715" h="0">
+                <a:path w="6000405" h="0">
                   <a:moveTo>
                     <a:pt x="0" y="0"/>
                   </a:moveTo>
                   <a:lnTo>
-                    <a:pt x="7726715" y="0"/>
-                  </a:lnTo>
-                  <a:lnTo>
-                    <a:pt x="7726715" y="0"/>
+                    <a:pt x="6000405" y="0"/>
+                  </a:lnTo>
+                  <a:lnTo>
+                    <a:pt x="6000405" y="0"/>
                   </a:lnTo>
                 </a:path>
               </a:pathLst>
@@ -2608,20 +2608,20 @@
           <p:spPr>
             <a:xfrm>
               <a:off x="884169" y="3588059"/>
-              <a:ext cx="7726715" cy="0"/>
+              <a:ext cx="6000405" cy="0"/>
             </a:xfrm>
             <a:custGeom>
               <a:avLst/>
               <a:pathLst>
-                <a:path w="7726715" h="0">
+                <a:path w="6000405" h="0">
                   <a:moveTo>
                     <a:pt x="0" y="0"/>
                   </a:moveTo>
                   <a:lnTo>
-                    <a:pt x="7726715" y="0"/>
-                  </a:lnTo>
-                  <a:lnTo>
-                    <a:pt x="7726715" y="0"/>
+                    <a:pt x="6000405" y="0"/>
+                  </a:lnTo>
+                  <a:lnTo>
+                    <a:pt x="6000405" y="0"/>
                   </a:lnTo>
                 </a:path>
               </a:pathLst>
@@ -2651,20 +2651,20 @@
           <p:spPr>
             <a:xfrm>
               <a:off x="884169" y="3311424"/>
-              <a:ext cx="7726715" cy="0"/>
+              <a:ext cx="6000405" cy="0"/>
             </a:xfrm>
             <a:custGeom>
               <a:avLst/>
               <a:pathLst>
-                <a:path w="7726715" h="0">
+                <a:path w="6000405" h="0">
                   <a:moveTo>
                     <a:pt x="0" y="0"/>
                   </a:moveTo>
                   <a:lnTo>
-                    <a:pt x="7726715" y="0"/>
-                  </a:lnTo>
-                  <a:lnTo>
-                    <a:pt x="7726715" y="0"/>
+                    <a:pt x="6000405" y="0"/>
+                  </a:lnTo>
+                  <a:lnTo>
+                    <a:pt x="6000405" y="0"/>
                   </a:lnTo>
                 </a:path>
               </a:pathLst>
@@ -2694,20 +2694,20 @@
           <p:spPr>
             <a:xfrm>
               <a:off x="884169" y="3034789"/>
-              <a:ext cx="7726715" cy="0"/>
+              <a:ext cx="6000405" cy="0"/>
             </a:xfrm>
             <a:custGeom>
               <a:avLst/>
               <a:pathLst>
-                <a:path w="7726715" h="0">
+                <a:path w="6000405" h="0">
                   <a:moveTo>
                     <a:pt x="0" y="0"/>
                   </a:moveTo>
                   <a:lnTo>
-                    <a:pt x="7726715" y="0"/>
-                  </a:lnTo>
-                  <a:lnTo>
-                    <a:pt x="7726715" y="0"/>
+                    <a:pt x="6000405" y="0"/>
+                  </a:lnTo>
+                  <a:lnTo>
+                    <a:pt x="6000405" y="0"/>
                   </a:lnTo>
                 </a:path>
               </a:pathLst>
@@ -2737,20 +2737,20 @@
           <p:spPr>
             <a:xfrm>
               <a:off x="884169" y="2758153"/>
-              <a:ext cx="7726715" cy="0"/>
+              <a:ext cx="6000405" cy="0"/>
             </a:xfrm>
             <a:custGeom>
               <a:avLst/>
               <a:pathLst>
-                <a:path w="7726715" h="0">
+                <a:path w="6000405" h="0">
                   <a:moveTo>
                     <a:pt x="0" y="0"/>
                   </a:moveTo>
                   <a:lnTo>
-                    <a:pt x="7726715" y="0"/>
-                  </a:lnTo>
-                  <a:lnTo>
-                    <a:pt x="7726715" y="0"/>
+                    <a:pt x="6000405" y="0"/>
+                  </a:lnTo>
+                  <a:lnTo>
+                    <a:pt x="6000405" y="0"/>
                   </a:lnTo>
                 </a:path>
               </a:pathLst>
@@ -2780,20 +2780,20 @@
           <p:spPr>
             <a:xfrm>
               <a:off x="884169" y="2481518"/>
-              <a:ext cx="7726715" cy="0"/>
+              <a:ext cx="6000405" cy="0"/>
             </a:xfrm>
             <a:custGeom>
               <a:avLst/>
               <a:pathLst>
-                <a:path w="7726715" h="0">
+                <a:path w="6000405" h="0">
                   <a:moveTo>
                     <a:pt x="0" y="0"/>
                   </a:moveTo>
                   <a:lnTo>
-                    <a:pt x="7726715" y="0"/>
-                  </a:lnTo>
-                  <a:lnTo>
-                    <a:pt x="7726715" y="0"/>
+                    <a:pt x="6000405" y="0"/>
+                  </a:lnTo>
+                  <a:lnTo>
+                    <a:pt x="6000405" y="0"/>
                   </a:lnTo>
                 </a:path>
               </a:pathLst>
@@ -2823,20 +2823,20 @@
           <p:spPr>
             <a:xfrm>
               <a:off x="884169" y="2204883"/>
-              <a:ext cx="7726715" cy="0"/>
+              <a:ext cx="6000405" cy="0"/>
             </a:xfrm>
             <a:custGeom>
               <a:avLst/>
               <a:pathLst>
-                <a:path w="7726715" h="0">
+                <a:path w="6000405" h="0">
                   <a:moveTo>
                     <a:pt x="0" y="0"/>
                   </a:moveTo>
                   <a:lnTo>
-                    <a:pt x="7726715" y="0"/>
-                  </a:lnTo>
-                  <a:lnTo>
-                    <a:pt x="7726715" y="0"/>
+                    <a:pt x="6000405" y="0"/>
+                  </a:lnTo>
+                  <a:lnTo>
+                    <a:pt x="6000405" y="0"/>
                   </a:lnTo>
                 </a:path>
               </a:pathLst>
@@ -2866,20 +2866,20 @@
           <p:spPr>
             <a:xfrm>
               <a:off x="884169" y="1928247"/>
-              <a:ext cx="7726715" cy="0"/>
+              <a:ext cx="6000405" cy="0"/>
             </a:xfrm>
             <a:custGeom>
               <a:avLst/>
               <a:pathLst>
-                <a:path w="7726715" h="0">
+                <a:path w="6000405" h="0">
                   <a:moveTo>
                     <a:pt x="0" y="0"/>
                   </a:moveTo>
                   <a:lnTo>
-                    <a:pt x="7726715" y="0"/>
-                  </a:lnTo>
-                  <a:lnTo>
-                    <a:pt x="7726715" y="0"/>
+                    <a:pt x="6000405" y="0"/>
+                  </a:lnTo>
+                  <a:lnTo>
+                    <a:pt x="6000405" y="0"/>
                   </a:lnTo>
                 </a:path>
               </a:pathLst>
@@ -2908,7 +2908,7 @@
           </p:nvSpPr>
           <p:spPr>
             <a:xfrm>
-              <a:off x="2966629" y="2410586"/>
+              <a:off x="2495817" y="2410586"/>
               <a:ext cx="49651" cy="49651"/>
             </a:xfrm>
             <a:prstGeom prst="ellipse">
@@ -2943,7 +2943,7 @@
           </p:nvSpPr>
           <p:spPr>
             <a:xfrm>
-              <a:off x="2966629" y="2433639"/>
+              <a:off x="2495817" y="2433639"/>
               <a:ext cx="49651" cy="49651"/>
             </a:xfrm>
             <a:prstGeom prst="ellipse">
@@ -2978,7 +2978,7 @@
           </p:nvSpPr>
           <p:spPr>
             <a:xfrm>
-              <a:off x="2966629" y="2456692"/>
+              <a:off x="2495817" y="2456692"/>
               <a:ext cx="49651" cy="49651"/>
             </a:xfrm>
             <a:prstGeom prst="ellipse">
@@ -3013,7 +3013,7 @@
           </p:nvSpPr>
           <p:spPr>
             <a:xfrm>
-              <a:off x="2966629" y="2456692"/>
+              <a:off x="2495817" y="2456692"/>
               <a:ext cx="49651" cy="49651"/>
             </a:xfrm>
             <a:prstGeom prst="ellipse">
@@ -3048,7 +3048,7 @@
           </p:nvSpPr>
           <p:spPr>
             <a:xfrm>
-              <a:off x="2966629" y="2456692"/>
+              <a:off x="2495817" y="2456692"/>
               <a:ext cx="49651" cy="49651"/>
             </a:xfrm>
             <a:prstGeom prst="ellipse">
@@ -3083,7 +3083,7 @@
           </p:nvSpPr>
           <p:spPr>
             <a:xfrm>
-              <a:off x="2991455" y="2619836"/>
+              <a:off x="2520643" y="2619836"/>
               <a:ext cx="0" cy="1314017"/>
             </a:xfrm>
             <a:custGeom>
@@ -3123,7 +3123,7 @@
           </p:nvSpPr>
           <p:spPr>
             <a:xfrm>
-              <a:off x="2991455" y="4855971"/>
+              <a:off x="2520643" y="4855971"/>
               <a:ext cx="0" cy="691588"/>
             </a:xfrm>
             <a:custGeom>
@@ -3163,13 +3163,13 @@
           </p:nvSpPr>
           <p:spPr>
             <a:xfrm>
-              <a:off x="1674401" y="3933854"/>
-              <a:ext cx="2634107" cy="922117"/>
+              <a:off x="1497847" y="3933854"/>
+              <a:ext cx="2045592" cy="922117"/>
             </a:xfrm>
             <a:custGeom>
               <a:avLst/>
               <a:pathLst>
-                <a:path w="2634107" h="922117">
+                <a:path w="2045592" h="922117">
                   <a:moveTo>
                     <a:pt x="0" y="0"/>
                   </a:moveTo>
@@ -3177,17 +3177,17 @@
                     <a:pt x="0" y="922117"/>
                   </a:lnTo>
                   <a:lnTo>
-                    <a:pt x="2634107" y="922117"/>
-                  </a:lnTo>
-                  <a:lnTo>
-                    <a:pt x="2634107" y="0"/>
+                    <a:pt x="2045592" y="922117"/>
+                  </a:lnTo>
+                  <a:lnTo>
+                    <a:pt x="2045592" y="0"/>
                   </a:lnTo>
                   <a:close/>
                 </a:path>
               </a:pathLst>
             </a:custGeom>
             <a:solidFill>
-              <a:srgbClr val="FFFFFF">
+              <a:srgbClr val="F8766D">
                 <a:alpha val="100000"/>
               </a:srgbClr>
             </a:solidFill>
@@ -3215,18 +3215,18 @@
           </p:nvSpPr>
           <p:spPr>
             <a:xfrm>
-              <a:off x="1674401" y="4441018"/>
-              <a:ext cx="2634107" cy="0"/>
+              <a:off x="1497847" y="4441018"/>
+              <a:ext cx="2045592" cy="0"/>
             </a:xfrm>
             <a:custGeom>
               <a:avLst/>
               <a:pathLst>
-                <a:path w="2634107" h="0">
+                <a:path w="2045592" h="0">
                   <a:moveTo>
                     <a:pt x="0" y="0"/>
                   </a:moveTo>
                   <a:lnTo>
-                    <a:pt x="2634107" y="0"/>
+                    <a:pt x="2045592" y="0"/>
                   </a:lnTo>
                 </a:path>
               </a:pathLst>
@@ -3255,7 +3255,7 @@
           </p:nvSpPr>
           <p:spPr>
             <a:xfrm>
-              <a:off x="6503598" y="2089618"/>
+              <a:off x="5248101" y="2089618"/>
               <a:ext cx="0" cy="576323"/>
             </a:xfrm>
             <a:custGeom>
@@ -3295,7 +3295,7 @@
           </p:nvSpPr>
           <p:spPr>
             <a:xfrm>
-              <a:off x="6503598" y="3864695"/>
+              <a:off x="5248101" y="3864695"/>
               <a:ext cx="0" cy="1314017"/>
             </a:xfrm>
             <a:custGeom>
@@ -3335,13 +3335,13 @@
           </p:nvSpPr>
           <p:spPr>
             <a:xfrm>
-              <a:off x="5186544" y="2665942"/>
-              <a:ext cx="2634107" cy="1198753"/>
+              <a:off x="4225304" y="2665942"/>
+              <a:ext cx="2045592" cy="1198753"/>
             </a:xfrm>
             <a:custGeom>
               <a:avLst/>
               <a:pathLst>
-                <a:path w="2634107" h="1198753">
+                <a:path w="2045592" h="1198753">
                   <a:moveTo>
                     <a:pt x="0" y="0"/>
                   </a:moveTo>
@@ -3349,17 +3349,17 @@
                     <a:pt x="0" y="1198753"/>
                   </a:lnTo>
                   <a:lnTo>
-                    <a:pt x="2634107" y="1198753"/>
-                  </a:lnTo>
-                  <a:lnTo>
-                    <a:pt x="2634107" y="0"/>
+                    <a:pt x="2045592" y="1198753"/>
+                  </a:lnTo>
+                  <a:lnTo>
+                    <a:pt x="2045592" y="0"/>
                   </a:lnTo>
                   <a:close/>
                 </a:path>
               </a:pathLst>
             </a:custGeom>
             <a:solidFill>
-              <a:srgbClr val="FFFFFF">
+              <a:srgbClr val="00BFC4">
                 <a:alpha val="100000"/>
               </a:srgbClr>
             </a:solidFill>
@@ -3387,18 +3387,18 @@
           </p:nvSpPr>
           <p:spPr>
             <a:xfrm>
-              <a:off x="5186544" y="3472795"/>
-              <a:ext cx="2634107" cy="0"/>
+              <a:off x="4225304" y="3472795"/>
+              <a:ext cx="2045592" cy="0"/>
             </a:xfrm>
             <a:custGeom>
               <a:avLst/>
               <a:pathLst>
-                <a:path w="2634107" h="0">
+                <a:path w="2045592" h="0">
                   <a:moveTo>
                     <a:pt x="0" y="0"/>
                   </a:moveTo>
                   <a:lnTo>
-                    <a:pt x="2634107" y="0"/>
+                    <a:pt x="2045592" y="0"/>
                   </a:lnTo>
                 </a:path>
               </a:pathLst>
@@ -4672,17 +4672,17 @@
           <p:spPr>
             <a:xfrm>
               <a:off x="884169" y="5720457"/>
-              <a:ext cx="7726715" cy="0"/>
+              <a:ext cx="6000405" cy="0"/>
             </a:xfrm>
             <a:custGeom>
               <a:avLst/>
               <a:pathLst>
-                <a:path w="7726715" h="0">
+                <a:path w="6000405" h="0">
                   <a:moveTo>
                     <a:pt x="0" y="0"/>
                   </a:moveTo>
                   <a:lnTo>
-                    <a:pt x="7726715" y="0"/>
+                    <a:pt x="6000405" y="0"/>
                   </a:lnTo>
                 </a:path>
               </a:pathLst>
@@ -4711,7 +4711,7 @@
           </p:nvSpPr>
           <p:spPr>
             <a:xfrm>
-              <a:off x="2991455" y="5720457"/>
+              <a:off x="2520643" y="5720457"/>
               <a:ext cx="0" cy="37957"/>
             </a:xfrm>
             <a:custGeom>
@@ -4751,7 +4751,7 @@
           </p:nvSpPr>
           <p:spPr>
             <a:xfrm>
-              <a:off x="6503598" y="5720457"/>
+              <a:off x="5248101" y="5720457"/>
               <a:ext cx="0" cy="37957"/>
             </a:xfrm>
             <a:custGeom>
@@ -4791,7 +4791,7 @@
           </p:nvSpPr>
           <p:spPr>
             <a:xfrm>
-              <a:off x="2785012" y="5789283"/>
+              <a:off x="2314200" y="5789283"/>
               <a:ext cx="412886" cy="81315"/>
             </a:xfrm>
             <a:prstGeom prst="rect">
@@ -4837,7 +4837,7 @@
           </p:nvSpPr>
           <p:spPr>
             <a:xfrm>
-              <a:off x="6297127" y="5766066"/>
+              <a:off x="5041629" y="5766066"/>
               <a:ext cx="412942" cy="104533"/>
             </a:xfrm>
             <a:prstGeom prst="rect">
@@ -4883,8 +4883,8 @@
           </p:nvSpPr>
           <p:spPr>
             <a:xfrm>
-              <a:off x="4521711" y="5907496"/>
-              <a:ext cx="451631" cy="116023"/>
+              <a:off x="3291602" y="5931123"/>
+              <a:ext cx="1185540" cy="92397"/>
             </a:xfrm>
             <a:prstGeom prst="rect">
               <a:avLst/>
@@ -4916,7 +4916,7 @@
                   <a:latin typeface="Arial"/>
                   <a:cs typeface="Arial"/>
                 </a:rPr>
-                <a:t>etat_bd</a:t>
+                <a:t>Etat bucco-dentaire</a:t>
               </a:r>
             </a:p>
           </p:txBody>
@@ -4929,8 +4929,8 @@
           </p:nvSpPr>
           <p:spPr>
             <a:xfrm rot="-5400000">
-              <a:off x="467568" y="3771553"/>
-              <a:ext cx="218839" cy="94071"/>
+              <a:off x="445244" y="3759771"/>
+              <a:ext cx="239923" cy="117636"/>
             </a:xfrm>
             <a:prstGeom prst="rect">
               <a:avLst/>
@@ -4962,14 +4962,549 @@
                   <a:latin typeface="Arial"/>
                   <a:cs typeface="Arial"/>
                 </a:rPr>
-                <a:t>age</a:t>
+                <a:t>Age</a:t>
               </a:r>
             </a:p>
           </p:txBody>
         </p:sp>
         <p:sp>
           <p:nvSpPr>
-            <p:cNvPr id="68" name="tx68"/>
+            <p:cNvPr id="68" name="rc68"/>
+            <p:cNvSpPr/>
+            <p:nvPr/>
+          </p:nvSpPr>
+          <p:spPr>
+            <a:xfrm>
+              <a:off x="7036406" y="3414678"/>
+              <a:ext cx="1574478" cy="807821"/>
+            </a:xfrm>
+            <a:prstGeom prst="rect">
+              <a:avLst/>
+            </a:prstGeom>
+            <a:solidFill>
+              <a:srgbClr val="FFFFFF">
+                <a:alpha val="100000"/>
+              </a:srgbClr>
+            </a:solidFill>
+            <a:ln w="14782" cap="rnd">
+              <a:solidFill>
+                <a:srgbClr val="000000">
+                  <a:alpha val="100000"/>
+                </a:srgbClr>
+              </a:solidFill>
+              <a:prstDash val="solid"/>
+              <a:round/>
+            </a:ln>
+          </p:spPr>
+          <p:txBody>
+            <a:bodyPr/>
+            <a:lstStyle/>
+            <a:p/>
+          </p:txBody>
+        </p:sp>
+        <p:sp>
+          <p:nvSpPr>
+            <p:cNvPr id="69" name="tx69"/>
+            <p:cNvSpPr/>
+            <p:nvPr/>
+          </p:nvSpPr>
+          <p:spPr>
+            <a:xfrm>
+              <a:off x="7112321" y="3504844"/>
+              <a:ext cx="1422648" cy="110876"/>
+            </a:xfrm>
+            <a:prstGeom prst="rect">
+              <a:avLst/>
+            </a:prstGeom>
+            <a:noFill/>
+          </p:spPr>
+          <p:txBody>
+            <a:bodyPr lIns="0" rIns="0" tIns="0" bIns="0" anchorCtr="1" anchor="ctr" wrap="none"/>
+            <a:lstStyle/>
+            <a:p>
+              <a:pPr algn="l" marL="0" marR="0" indent="0">
+                <a:lnSpc>
+                  <a:spcPts val="1200"/>
+                </a:lnSpc>
+                <a:spcBef>
+                  <a:spcPts val="0"/>
+                </a:spcBef>
+                <a:spcAft>
+                  <a:spcPts val="0"/>
+                </a:spcAft>
+              </a:pPr>
+              <a:r>
+                <a:rPr sz="1200" b="1">
+                  <a:solidFill>
+                    <a:srgbClr val="000000">
+                      <a:alpha val="100000"/>
+                    </a:srgbClr>
+                  </a:solidFill>
+                  <a:latin typeface="Arial"/>
+                  <a:cs typeface="Arial"/>
+                </a:rPr>
+                <a:t>Etat bucco-dentaire</a:t>
+              </a:r>
+            </a:p>
+          </p:txBody>
+        </p:sp>
+        <p:sp>
+          <p:nvSpPr>
+            <p:cNvPr id="70" name="rc70"/>
+            <p:cNvSpPr/>
+            <p:nvPr/>
+          </p:nvSpPr>
+          <p:spPr>
+            <a:xfrm>
+              <a:off x="7112321" y="3707672"/>
+              <a:ext cx="219455" cy="219455"/>
+            </a:xfrm>
+            <a:prstGeom prst="rect">
+              <a:avLst/>
+            </a:prstGeom>
+            <a:solidFill>
+              <a:srgbClr val="FFFFFF">
+                <a:alpha val="100000"/>
+              </a:srgbClr>
+            </a:solidFill>
+          </p:spPr>
+          <p:txBody>
+            <a:bodyPr/>
+            <a:lstStyle/>
+            <a:p/>
+          </p:txBody>
+        </p:sp>
+        <p:sp>
+          <p:nvSpPr>
+            <p:cNvPr id="71" name="pl71"/>
+            <p:cNvSpPr/>
+            <p:nvPr/>
+          </p:nvSpPr>
+          <p:spPr>
+            <a:xfrm>
+              <a:off x="7222049" y="3872264"/>
+              <a:ext cx="0" cy="32918"/>
+            </a:xfrm>
+            <a:custGeom>
+              <a:avLst/>
+              <a:pathLst>
+                <a:path w="0" h="32918">
+                  <a:moveTo>
+                    <a:pt x="0" y="32918"/>
+                  </a:moveTo>
+                  <a:lnTo>
+                    <a:pt x="0" y="0"/>
+                  </a:lnTo>
+                </a:path>
+              </a:pathLst>
+            </a:custGeom>
+            <a:ln w="13550" cap="flat">
+              <a:solidFill>
+                <a:srgbClr val="333333">
+                  <a:alpha val="100000"/>
+                </a:srgbClr>
+              </a:solidFill>
+              <a:prstDash val="solid"/>
+              <a:miter/>
+            </a:ln>
+          </p:spPr>
+          <p:txBody>
+            <a:bodyPr/>
+            <a:lstStyle/>
+            <a:p/>
+          </p:txBody>
+        </p:sp>
+        <p:sp>
+          <p:nvSpPr>
+            <p:cNvPr id="72" name="pl72"/>
+            <p:cNvSpPr/>
+            <p:nvPr/>
+          </p:nvSpPr>
+          <p:spPr>
+            <a:xfrm>
+              <a:off x="7222049" y="3729618"/>
+              <a:ext cx="0" cy="32918"/>
+            </a:xfrm>
+            <a:custGeom>
+              <a:avLst/>
+              <a:pathLst>
+                <a:path w="0" h="32918">
+                  <a:moveTo>
+                    <a:pt x="0" y="32918"/>
+                  </a:moveTo>
+                  <a:lnTo>
+                    <a:pt x="0" y="0"/>
+                  </a:lnTo>
+                </a:path>
+              </a:pathLst>
+            </a:custGeom>
+            <a:ln w="13550" cap="flat">
+              <a:solidFill>
+                <a:srgbClr val="333333">
+                  <a:alpha val="100000"/>
+                </a:srgbClr>
+              </a:solidFill>
+              <a:prstDash val="solid"/>
+              <a:miter/>
+            </a:ln>
+          </p:spPr>
+          <p:txBody>
+            <a:bodyPr/>
+            <a:lstStyle/>
+            <a:p/>
+          </p:txBody>
+        </p:sp>
+        <p:sp>
+          <p:nvSpPr>
+            <p:cNvPr id="73" name="rc73"/>
+            <p:cNvSpPr/>
+            <p:nvPr/>
+          </p:nvSpPr>
+          <p:spPr>
+            <a:xfrm>
+              <a:off x="7139753" y="3762536"/>
+              <a:ext cx="164592" cy="109727"/>
+            </a:xfrm>
+            <a:prstGeom prst="rect">
+              <a:avLst/>
+            </a:prstGeom>
+            <a:solidFill>
+              <a:srgbClr val="F8766D">
+                <a:alpha val="100000"/>
+              </a:srgbClr>
+            </a:solidFill>
+            <a:ln w="13550" cap="flat">
+              <a:solidFill>
+                <a:srgbClr val="333333">
+                  <a:alpha val="100000"/>
+                </a:srgbClr>
+              </a:solidFill>
+              <a:prstDash val="solid"/>
+              <a:miter/>
+            </a:ln>
+          </p:spPr>
+          <p:txBody>
+            <a:bodyPr/>
+            <a:lstStyle/>
+            <a:p/>
+          </p:txBody>
+        </p:sp>
+        <p:sp>
+          <p:nvSpPr>
+            <p:cNvPr id="74" name="pl74"/>
+            <p:cNvSpPr/>
+            <p:nvPr/>
+          </p:nvSpPr>
+          <p:spPr>
+            <a:xfrm>
+              <a:off x="7139753" y="3817400"/>
+              <a:ext cx="164592" cy="0"/>
+            </a:xfrm>
+            <a:custGeom>
+              <a:avLst/>
+              <a:pathLst>
+                <a:path w="164592" h="0">
+                  <a:moveTo>
+                    <a:pt x="0" y="0"/>
+                  </a:moveTo>
+                  <a:lnTo>
+                    <a:pt x="164592" y="0"/>
+                  </a:lnTo>
+                </a:path>
+              </a:pathLst>
+            </a:custGeom>
+            <a:ln w="13550" cap="flat">
+              <a:solidFill>
+                <a:srgbClr val="333333">
+                  <a:alpha val="100000"/>
+                </a:srgbClr>
+              </a:solidFill>
+              <a:prstDash val="solid"/>
+              <a:miter/>
+            </a:ln>
+          </p:spPr>
+          <p:txBody>
+            <a:bodyPr/>
+            <a:lstStyle/>
+            <a:p/>
+          </p:txBody>
+        </p:sp>
+        <p:sp>
+          <p:nvSpPr>
+            <p:cNvPr id="75" name="rc75"/>
+            <p:cNvSpPr/>
+            <p:nvPr/>
+          </p:nvSpPr>
+          <p:spPr>
+            <a:xfrm>
+              <a:off x="7112321" y="3927128"/>
+              <a:ext cx="219455" cy="219455"/>
+            </a:xfrm>
+            <a:prstGeom prst="rect">
+              <a:avLst/>
+            </a:prstGeom>
+            <a:solidFill>
+              <a:srgbClr val="FFFFFF">
+                <a:alpha val="100000"/>
+              </a:srgbClr>
+            </a:solidFill>
+          </p:spPr>
+          <p:txBody>
+            <a:bodyPr/>
+            <a:lstStyle/>
+            <a:p/>
+          </p:txBody>
+        </p:sp>
+        <p:sp>
+          <p:nvSpPr>
+            <p:cNvPr id="76" name="pl76"/>
+            <p:cNvSpPr/>
+            <p:nvPr/>
+          </p:nvSpPr>
+          <p:spPr>
+            <a:xfrm>
+              <a:off x="7222049" y="4091720"/>
+              <a:ext cx="0" cy="32918"/>
+            </a:xfrm>
+            <a:custGeom>
+              <a:avLst/>
+              <a:pathLst>
+                <a:path w="0" h="32918">
+                  <a:moveTo>
+                    <a:pt x="0" y="32918"/>
+                  </a:moveTo>
+                  <a:lnTo>
+                    <a:pt x="0" y="0"/>
+                  </a:lnTo>
+                </a:path>
+              </a:pathLst>
+            </a:custGeom>
+            <a:ln w="13550" cap="flat">
+              <a:solidFill>
+                <a:srgbClr val="333333">
+                  <a:alpha val="100000"/>
+                </a:srgbClr>
+              </a:solidFill>
+              <a:prstDash val="solid"/>
+              <a:miter/>
+            </a:ln>
+          </p:spPr>
+          <p:txBody>
+            <a:bodyPr/>
+            <a:lstStyle/>
+            <a:p/>
+          </p:txBody>
+        </p:sp>
+        <p:sp>
+          <p:nvSpPr>
+            <p:cNvPr id="77" name="pl77"/>
+            <p:cNvSpPr/>
+            <p:nvPr/>
+          </p:nvSpPr>
+          <p:spPr>
+            <a:xfrm>
+              <a:off x="7222049" y="3949074"/>
+              <a:ext cx="0" cy="32918"/>
+            </a:xfrm>
+            <a:custGeom>
+              <a:avLst/>
+              <a:pathLst>
+                <a:path w="0" h="32918">
+                  <a:moveTo>
+                    <a:pt x="0" y="32918"/>
+                  </a:moveTo>
+                  <a:lnTo>
+                    <a:pt x="0" y="0"/>
+                  </a:lnTo>
+                </a:path>
+              </a:pathLst>
+            </a:custGeom>
+            <a:ln w="13550" cap="flat">
+              <a:solidFill>
+                <a:srgbClr val="333333">
+                  <a:alpha val="100000"/>
+                </a:srgbClr>
+              </a:solidFill>
+              <a:prstDash val="solid"/>
+              <a:miter/>
+            </a:ln>
+          </p:spPr>
+          <p:txBody>
+            <a:bodyPr/>
+            <a:lstStyle/>
+            <a:p/>
+          </p:txBody>
+        </p:sp>
+        <p:sp>
+          <p:nvSpPr>
+            <p:cNvPr id="78" name="rc78"/>
+            <p:cNvSpPr/>
+            <p:nvPr/>
+          </p:nvSpPr>
+          <p:spPr>
+            <a:xfrm>
+              <a:off x="7139753" y="3981992"/>
+              <a:ext cx="164592" cy="109727"/>
+            </a:xfrm>
+            <a:prstGeom prst="rect">
+              <a:avLst/>
+            </a:prstGeom>
+            <a:solidFill>
+              <a:srgbClr val="00BFC4">
+                <a:alpha val="100000"/>
+              </a:srgbClr>
+            </a:solidFill>
+            <a:ln w="13550" cap="flat">
+              <a:solidFill>
+                <a:srgbClr val="333333">
+                  <a:alpha val="100000"/>
+                </a:srgbClr>
+              </a:solidFill>
+              <a:prstDash val="solid"/>
+              <a:miter/>
+            </a:ln>
+          </p:spPr>
+          <p:txBody>
+            <a:bodyPr/>
+            <a:lstStyle/>
+            <a:p/>
+          </p:txBody>
+        </p:sp>
+        <p:sp>
+          <p:nvSpPr>
+            <p:cNvPr id="79" name="pl79"/>
+            <p:cNvSpPr/>
+            <p:nvPr/>
+          </p:nvSpPr>
+          <p:spPr>
+            <a:xfrm>
+              <a:off x="7139753" y="4036856"/>
+              <a:ext cx="164592" cy="0"/>
+            </a:xfrm>
+            <a:custGeom>
+              <a:avLst/>
+              <a:pathLst>
+                <a:path w="164592" h="0">
+                  <a:moveTo>
+                    <a:pt x="0" y="0"/>
+                  </a:moveTo>
+                  <a:lnTo>
+                    <a:pt x="164592" y="0"/>
+                  </a:lnTo>
+                </a:path>
+              </a:pathLst>
+            </a:custGeom>
+            <a:ln w="13550" cap="flat">
+              <a:solidFill>
+                <a:srgbClr val="333333">
+                  <a:alpha val="100000"/>
+                </a:srgbClr>
+              </a:solidFill>
+              <a:prstDash val="solid"/>
+              <a:miter/>
+            </a:ln>
+          </p:spPr>
+          <p:txBody>
+            <a:bodyPr/>
+            <a:lstStyle/>
+            <a:p/>
+          </p:txBody>
+        </p:sp>
+        <p:sp>
+          <p:nvSpPr>
+            <p:cNvPr id="80" name="tx80"/>
+            <p:cNvSpPr/>
+            <p:nvPr/>
+          </p:nvSpPr>
+          <p:spPr>
+            <a:xfrm>
+              <a:off x="7407692" y="3768014"/>
+              <a:ext cx="504638" cy="99386"/>
+            </a:xfrm>
+            <a:prstGeom prst="rect">
+              <a:avLst/>
+            </a:prstGeom>
+            <a:noFill/>
+          </p:spPr>
+          <p:txBody>
+            <a:bodyPr lIns="0" rIns="0" tIns="0" bIns="0" anchorCtr="1" anchor="ctr" wrap="none"/>
+            <a:lstStyle/>
+            <a:p>
+              <a:pPr algn="l" marL="0" marR="0" indent="0">
+                <a:lnSpc>
+                  <a:spcPts val="1100"/>
+                </a:lnSpc>
+                <a:spcBef>
+                  <a:spcPts val="0"/>
+                </a:spcBef>
+                <a:spcAft>
+                  <a:spcPts val="0"/>
+                </a:spcAft>
+              </a:pPr>
+              <a:r>
+                <a:rPr sz="1100">
+                  <a:solidFill>
+                    <a:srgbClr val="000000">
+                      <a:alpha val="100000"/>
+                    </a:srgbClr>
+                  </a:solidFill>
+                  <a:latin typeface="Arial"/>
+                  <a:cs typeface="Arial"/>
+                </a:rPr>
+                <a:t>correcte</a:t>
+              </a:r>
+            </a:p>
+          </p:txBody>
+        </p:sp>
+        <p:sp>
+          <p:nvSpPr>
+            <p:cNvPr id="81" name="tx81"/>
+            <p:cNvSpPr/>
+            <p:nvPr/>
+          </p:nvSpPr>
+          <p:spPr>
+            <a:xfrm>
+              <a:off x="7407692" y="3959094"/>
+              <a:ext cx="504707" cy="127762"/>
+            </a:xfrm>
+            <a:prstGeom prst="rect">
+              <a:avLst/>
+            </a:prstGeom>
+            <a:noFill/>
+          </p:spPr>
+          <p:txBody>
+            <a:bodyPr lIns="0" rIns="0" tIns="0" bIns="0" anchorCtr="1" anchor="ctr" wrap="none"/>
+            <a:lstStyle/>
+            <a:p>
+              <a:pPr algn="l" marL="0" marR="0" indent="0">
+                <a:lnSpc>
+                  <a:spcPts val="1100"/>
+                </a:lnSpc>
+                <a:spcBef>
+                  <a:spcPts val="0"/>
+                </a:spcBef>
+                <a:spcAft>
+                  <a:spcPts val="0"/>
+                </a:spcAft>
+              </a:pPr>
+              <a:r>
+                <a:rPr sz="1100">
+                  <a:solidFill>
+                    <a:srgbClr val="000000">
+                      <a:alpha val="100000"/>
+                    </a:srgbClr>
+                  </a:solidFill>
+                  <a:latin typeface="Arial"/>
+                  <a:cs typeface="Arial"/>
+                </a:rPr>
+                <a:t>precaire</a:t>
+              </a:r>
+            </a:p>
+          </p:txBody>
+        </p:sp>
+        <p:sp>
+          <p:nvSpPr>
+            <p:cNvPr id="82" name="tx82"/>
             <p:cNvSpPr/>
             <p:nvPr/>
           </p:nvSpPr>
